--- a/First.pptx
+++ b/First.pptx
@@ -19,10 +19,10 @@
     <p:sldId id="266" r:id="rId10"/>
     <p:sldId id="267" r:id="rId11"/>
     <p:sldId id="258" r:id="rId12"/>
-    <p:sldId id="259" r:id="rId13"/>
-    <p:sldId id="272" r:id="rId14"/>
-    <p:sldId id="271" r:id="rId15"/>
-    <p:sldId id="268" r:id="rId16"/>
+    <p:sldId id="271" r:id="rId13"/>
+    <p:sldId id="268" r:id="rId14"/>
+    <p:sldId id="259" r:id="rId15"/>
+    <p:sldId id="272" r:id="rId16"/>
     <p:sldId id="269" r:id="rId17"/>
     <p:sldId id="270" r:id="rId18"/>
   </p:sldIdLst>
@@ -714,7 +714,7 @@
           <a:p>
             <a:fld id="{843E921E-62ED-4E62-81AC-5BA87C54127C}" type="slidenum">
               <a:rPr lang="fr-FR" smtClean="0"/>
-              <a:t>15</a:t>
+              <a:t>13</a:t>
             </a:fld>
             <a:endParaRPr lang="fr-FR"/>
           </a:p>
@@ -7811,6 +7811,256 @@
             <a:pPr algn="ctr"/>
             <a:r>
               <a:rPr lang="fr-FR" sz="4400" dirty="0"/>
+              <a:t>Implémentation</a:t>
+            </a:r>
+          </a:p>
+        </p:txBody>
+      </p:sp>
+      <p:cxnSp>
+        <p:nvCxnSpPr>
+          <p:cNvPr id="6" name="Straight Connector 5">
+            <a:extLst>
+              <a:ext uri="{FF2B5EF4-FFF2-40B4-BE49-F238E27FC236}">
+                <a16:creationId xmlns:a16="http://schemas.microsoft.com/office/drawing/2014/main" id="{FED0F57B-9067-4D70-B02A-166F9F607B4F}"/>
+              </a:ext>
+            </a:extLst>
+          </p:cNvPr>
+          <p:cNvCxnSpPr>
+            <a:cxnSpLocks/>
+          </p:cNvCxnSpPr>
+          <p:nvPr/>
+        </p:nvCxnSpPr>
+        <p:spPr>
+          <a:xfrm>
+            <a:off x="2685535" y="3707027"/>
+            <a:ext cx="6820930" cy="0"/>
+          </a:xfrm>
+          <a:prstGeom prst="line">
+            <a:avLst/>
+          </a:prstGeom>
+        </p:spPr>
+        <p:style>
+          <a:lnRef idx="1">
+            <a:schemeClr val="accent1"/>
+          </a:lnRef>
+          <a:fillRef idx="0">
+            <a:schemeClr val="accent1"/>
+          </a:fillRef>
+          <a:effectRef idx="0">
+            <a:schemeClr val="accent1"/>
+          </a:effectRef>
+          <a:fontRef idx="minor">
+            <a:schemeClr val="tx1"/>
+          </a:fontRef>
+        </p:style>
+      </p:cxnSp>
+    </p:spTree>
+    <p:extLst>
+      <p:ext uri="{BB962C8B-B14F-4D97-AF65-F5344CB8AC3E}">
+        <p14:creationId xmlns:p14="http://schemas.microsoft.com/office/powerpoint/2010/main" val="1288146033"/>
+      </p:ext>
+    </p:extLst>
+  </p:cSld>
+  <p:clrMapOvr>
+    <a:masterClrMapping/>
+  </p:clrMapOvr>
+  <p:timing>
+    <p:tnLst>
+      <p:par>
+        <p:cTn id="1" dur="indefinite" restart="never" nodeType="tmRoot">
+          <p:childTnLst>
+            <p:seq concurrent="1" nextAc="seek">
+              <p:cTn id="2" dur="indefinite" nodeType="mainSeq">
+                <p:childTnLst>
+                  <p:par>
+                    <p:cTn id="3" fill="hold">
+                      <p:stCondLst>
+                        <p:cond delay="indefinite"/>
+                        <p:cond evt="onBegin" delay="0">
+                          <p:tn val="2"/>
+                        </p:cond>
+                      </p:stCondLst>
+                      <p:childTnLst>
+                        <p:par>
+                          <p:cTn id="4" fill="hold">
+                            <p:stCondLst>
+                              <p:cond delay="0"/>
+                            </p:stCondLst>
+                            <p:childTnLst>
+                              <p:par>
+                                <p:cTn id="5" presetID="16" presetClass="entr" presetSubtype="37" fill="hold" nodeType="afterEffect">
+                                  <p:stCondLst>
+                                    <p:cond delay="0"/>
+                                  </p:stCondLst>
+                                  <p:childTnLst>
+                                    <p:set>
+                                      <p:cBhvr>
+                                        <p:cTn id="6" dur="1" fill="hold">
+                                          <p:stCondLst>
+                                            <p:cond delay="0"/>
+                                          </p:stCondLst>
+                                        </p:cTn>
+                                        <p:tgtEl>
+                                          <p:spTgt spid="6"/>
+                                        </p:tgtEl>
+                                        <p:attrNameLst>
+                                          <p:attrName>style.visibility</p:attrName>
+                                        </p:attrNameLst>
+                                      </p:cBhvr>
+                                      <p:to>
+                                        <p:strVal val="visible"/>
+                                      </p:to>
+                                    </p:set>
+                                    <p:animEffect transition="in" filter="barn(outVertical)">
+                                      <p:cBhvr>
+                                        <p:cTn id="7" dur="500"/>
+                                        <p:tgtEl>
+                                          <p:spTgt spid="6"/>
+                                        </p:tgtEl>
+                                      </p:cBhvr>
+                                    </p:animEffect>
+                                  </p:childTnLst>
+                                </p:cTn>
+                              </p:par>
+                            </p:childTnLst>
+                          </p:cTn>
+                        </p:par>
+                      </p:childTnLst>
+                    </p:cTn>
+                  </p:par>
+                </p:childTnLst>
+              </p:cTn>
+              <p:prevCondLst>
+                <p:cond evt="onPrev" delay="0">
+                  <p:tgtEl>
+                    <p:sldTgt/>
+                  </p:tgtEl>
+                </p:cond>
+              </p:prevCondLst>
+              <p:nextCondLst>
+                <p:cond evt="onNext" delay="0">
+                  <p:tgtEl>
+                    <p:sldTgt/>
+                  </p:tgtEl>
+                </p:cond>
+              </p:nextCondLst>
+            </p:seq>
+          </p:childTnLst>
+        </p:cTn>
+      </p:par>
+    </p:tnLst>
+  </p:timing>
+</p:sld>
+</file>
+
+<file path=ppt/slides/slide13.xml><?xml version="1.0" encoding="utf-8"?>
+<p:sld xmlns:a="http://schemas.openxmlformats.org/drawingml/2006/main" xmlns:r="http://schemas.openxmlformats.org/officeDocument/2006/relationships" xmlns:p="http://schemas.openxmlformats.org/presentationml/2006/main">
+  <p:cSld>
+    <p:spTree>
+      <p:nvGrpSpPr>
+        <p:cNvPr id="1" name=""/>
+        <p:cNvGrpSpPr/>
+        <p:nvPr/>
+      </p:nvGrpSpPr>
+      <p:grpSpPr>
+        <a:xfrm>
+          <a:off x="0" y="0"/>
+          <a:ext cx="0" cy="0"/>
+          <a:chOff x="0" y="0"/>
+          <a:chExt cx="0" cy="0"/>
+        </a:xfrm>
+      </p:grpSpPr>
+      <p:pic>
+        <p:nvPicPr>
+          <p:cNvPr id="2" name="Picture 1">
+            <a:extLst>
+              <a:ext uri="{FF2B5EF4-FFF2-40B4-BE49-F238E27FC236}">
+                <a16:creationId xmlns:a16="http://schemas.microsoft.com/office/drawing/2014/main" id="{CBBF0F4F-B79E-42EA-AA27-E4A25362489A}"/>
+              </a:ext>
+            </a:extLst>
+          </p:cNvPr>
+          <p:cNvPicPr>
+            <a:picLocks noChangeAspect="1"/>
+          </p:cNvPicPr>
+          <p:nvPr/>
+        </p:nvPicPr>
+        <p:blipFill>
+          <a:blip r:embed="rId3"/>
+          <a:stretch>
+            <a:fillRect/>
+          </a:stretch>
+        </p:blipFill>
+        <p:spPr>
+          <a:xfrm>
+            <a:off x="0" y="103160"/>
+            <a:ext cx="12192000" cy="6651679"/>
+          </a:xfrm>
+          <a:prstGeom prst="rect">
+            <a:avLst/>
+          </a:prstGeom>
+        </p:spPr>
+      </p:pic>
+    </p:spTree>
+    <p:extLst>
+      <p:ext uri="{BB962C8B-B14F-4D97-AF65-F5344CB8AC3E}">
+        <p14:creationId xmlns:p14="http://schemas.microsoft.com/office/powerpoint/2010/main" val="1667724180"/>
+      </p:ext>
+    </p:extLst>
+  </p:cSld>
+  <p:clrMapOvr>
+    <a:masterClrMapping/>
+  </p:clrMapOvr>
+</p:sld>
+</file>
+
+<file path=ppt/slides/slide14.xml><?xml version="1.0" encoding="utf-8"?>
+<p:sld xmlns:a="http://schemas.openxmlformats.org/drawingml/2006/main" xmlns:r="http://schemas.openxmlformats.org/officeDocument/2006/relationships" xmlns:p="http://schemas.openxmlformats.org/presentationml/2006/main">
+  <p:cSld>
+    <p:spTree>
+      <p:nvGrpSpPr>
+        <p:cNvPr id="1" name=""/>
+        <p:cNvGrpSpPr/>
+        <p:nvPr/>
+      </p:nvGrpSpPr>
+      <p:grpSpPr>
+        <a:xfrm>
+          <a:off x="0" y="0"/>
+          <a:ext cx="0" cy="0"/>
+          <a:chOff x="0" y="0"/>
+          <a:chExt cx="0" cy="0"/>
+        </a:xfrm>
+      </p:grpSpPr>
+      <p:sp>
+        <p:nvSpPr>
+          <p:cNvPr id="2" name="Title 1">
+            <a:extLst>
+              <a:ext uri="{FF2B5EF4-FFF2-40B4-BE49-F238E27FC236}">
+                <a16:creationId xmlns:a16="http://schemas.microsoft.com/office/drawing/2014/main" id="{759FD2B4-6FBA-4BC0-B0DB-42B1DAE51532}"/>
+              </a:ext>
+            </a:extLst>
+          </p:cNvPr>
+          <p:cNvSpPr>
+            <a:spLocks noGrp="1"/>
+          </p:cNvSpPr>
+          <p:nvPr>
+            <p:ph type="title"/>
+          </p:nvPr>
+        </p:nvSpPr>
+        <p:spPr>
+          <a:xfrm>
+            <a:off x="838200" y="2292779"/>
+            <a:ext cx="10515600" cy="1325563"/>
+          </a:xfrm>
+        </p:spPr>
+        <p:txBody>
+          <a:bodyPr>
+            <a:normAutofit/>
+          </a:bodyPr>
+          <a:lstStyle/>
+          <a:p>
+            <a:pPr algn="ctr"/>
+            <a:r>
+              <a:rPr lang="fr-FR" sz="4400" dirty="0"/>
               <a:t>Schéma du circuit</a:t>
             </a:r>
           </a:p>
@@ -7953,226 +8203,6 @@
 </p:sld>
 </file>
 
-<file path=ppt/slides/slide13.xml><?xml version="1.0" encoding="utf-8"?>
-<p:sld xmlns:a="http://schemas.openxmlformats.org/drawingml/2006/main" xmlns:r="http://schemas.openxmlformats.org/officeDocument/2006/relationships" xmlns:p="http://schemas.openxmlformats.org/presentationml/2006/main">
-  <p:cSld>
-    <p:spTree>
-      <p:nvGrpSpPr>
-        <p:cNvPr id="1" name=""/>
-        <p:cNvGrpSpPr/>
-        <p:nvPr/>
-      </p:nvGrpSpPr>
-      <p:grpSpPr>
-        <a:xfrm>
-          <a:off x="0" y="0"/>
-          <a:ext cx="0" cy="0"/>
-          <a:chOff x="0" y="0"/>
-          <a:chExt cx="0" cy="0"/>
-        </a:xfrm>
-      </p:grpSpPr>
-    </p:spTree>
-    <p:extLst>
-      <p:ext uri="{BB962C8B-B14F-4D97-AF65-F5344CB8AC3E}">
-        <p14:creationId xmlns:p14="http://schemas.microsoft.com/office/powerpoint/2010/main" val="1720380768"/>
-      </p:ext>
-    </p:extLst>
-  </p:cSld>
-  <p:clrMapOvr>
-    <a:masterClrMapping/>
-  </p:clrMapOvr>
-</p:sld>
-</file>
-
-<file path=ppt/slides/slide14.xml><?xml version="1.0" encoding="utf-8"?>
-<p:sld xmlns:a="http://schemas.openxmlformats.org/drawingml/2006/main" xmlns:r="http://schemas.openxmlformats.org/officeDocument/2006/relationships" xmlns:p="http://schemas.openxmlformats.org/presentationml/2006/main">
-  <p:cSld>
-    <p:spTree>
-      <p:nvGrpSpPr>
-        <p:cNvPr id="1" name=""/>
-        <p:cNvGrpSpPr/>
-        <p:nvPr/>
-      </p:nvGrpSpPr>
-      <p:grpSpPr>
-        <a:xfrm>
-          <a:off x="0" y="0"/>
-          <a:ext cx="0" cy="0"/>
-          <a:chOff x="0" y="0"/>
-          <a:chExt cx="0" cy="0"/>
-        </a:xfrm>
-      </p:grpSpPr>
-      <p:sp>
-        <p:nvSpPr>
-          <p:cNvPr id="2" name="Title 1">
-            <a:extLst>
-              <a:ext uri="{FF2B5EF4-FFF2-40B4-BE49-F238E27FC236}">
-                <a16:creationId xmlns:a16="http://schemas.microsoft.com/office/drawing/2014/main" id="{759FD2B4-6FBA-4BC0-B0DB-42B1DAE51532}"/>
-              </a:ext>
-            </a:extLst>
-          </p:cNvPr>
-          <p:cNvSpPr>
-            <a:spLocks noGrp="1"/>
-          </p:cNvSpPr>
-          <p:nvPr>
-            <p:ph type="title"/>
-          </p:nvPr>
-        </p:nvSpPr>
-        <p:spPr>
-          <a:xfrm>
-            <a:off x="838200" y="2292779"/>
-            <a:ext cx="10515600" cy="1325563"/>
-          </a:xfrm>
-        </p:spPr>
-        <p:txBody>
-          <a:bodyPr>
-            <a:normAutofit/>
-          </a:bodyPr>
-          <a:lstStyle/>
-          <a:p>
-            <a:pPr algn="ctr"/>
-            <a:r>
-              <a:rPr lang="fr-FR" sz="4400" dirty="0"/>
-              <a:t>Implémentation</a:t>
-            </a:r>
-          </a:p>
-        </p:txBody>
-      </p:sp>
-      <p:cxnSp>
-        <p:nvCxnSpPr>
-          <p:cNvPr id="6" name="Straight Connector 5">
-            <a:extLst>
-              <a:ext uri="{FF2B5EF4-FFF2-40B4-BE49-F238E27FC236}">
-                <a16:creationId xmlns:a16="http://schemas.microsoft.com/office/drawing/2014/main" id="{FED0F57B-9067-4D70-B02A-166F9F607B4F}"/>
-              </a:ext>
-            </a:extLst>
-          </p:cNvPr>
-          <p:cNvCxnSpPr>
-            <a:cxnSpLocks/>
-          </p:cNvCxnSpPr>
-          <p:nvPr/>
-        </p:nvCxnSpPr>
-        <p:spPr>
-          <a:xfrm>
-            <a:off x="2685535" y="3707027"/>
-            <a:ext cx="6820930" cy="0"/>
-          </a:xfrm>
-          <a:prstGeom prst="line">
-            <a:avLst/>
-          </a:prstGeom>
-        </p:spPr>
-        <p:style>
-          <a:lnRef idx="1">
-            <a:schemeClr val="accent1"/>
-          </a:lnRef>
-          <a:fillRef idx="0">
-            <a:schemeClr val="accent1"/>
-          </a:fillRef>
-          <a:effectRef idx="0">
-            <a:schemeClr val="accent1"/>
-          </a:effectRef>
-          <a:fontRef idx="minor">
-            <a:schemeClr val="tx1"/>
-          </a:fontRef>
-        </p:style>
-      </p:cxnSp>
-    </p:spTree>
-    <p:extLst>
-      <p:ext uri="{BB962C8B-B14F-4D97-AF65-F5344CB8AC3E}">
-        <p14:creationId xmlns:p14="http://schemas.microsoft.com/office/powerpoint/2010/main" val="1288146033"/>
-      </p:ext>
-    </p:extLst>
-  </p:cSld>
-  <p:clrMapOvr>
-    <a:masterClrMapping/>
-  </p:clrMapOvr>
-  <p:timing>
-    <p:tnLst>
-      <p:par>
-        <p:cTn id="1" dur="indefinite" restart="never" nodeType="tmRoot">
-          <p:childTnLst>
-            <p:seq concurrent="1" nextAc="seek">
-              <p:cTn id="2" dur="indefinite" nodeType="mainSeq">
-                <p:childTnLst>
-                  <p:par>
-                    <p:cTn id="3" fill="hold">
-                      <p:stCondLst>
-                        <p:cond delay="indefinite"/>
-                        <p:cond evt="onBegin" delay="0">
-                          <p:tn val="2"/>
-                        </p:cond>
-                      </p:stCondLst>
-                      <p:childTnLst>
-                        <p:par>
-                          <p:cTn id="4" fill="hold">
-                            <p:stCondLst>
-                              <p:cond delay="0"/>
-                            </p:stCondLst>
-                            <p:childTnLst>
-                              <p:par>
-                                <p:cTn id="5" presetID="16" presetClass="entr" presetSubtype="37" fill="hold" nodeType="afterEffect">
-                                  <p:stCondLst>
-                                    <p:cond delay="0"/>
-                                  </p:stCondLst>
-                                  <p:childTnLst>
-                                    <p:set>
-                                      <p:cBhvr>
-                                        <p:cTn id="6" dur="1" fill="hold">
-                                          <p:stCondLst>
-                                            <p:cond delay="0"/>
-                                          </p:stCondLst>
-                                        </p:cTn>
-                                        <p:tgtEl>
-                                          <p:spTgt spid="6"/>
-                                        </p:tgtEl>
-                                        <p:attrNameLst>
-                                          <p:attrName>style.visibility</p:attrName>
-                                        </p:attrNameLst>
-                                      </p:cBhvr>
-                                      <p:to>
-                                        <p:strVal val="visible"/>
-                                      </p:to>
-                                    </p:set>
-                                    <p:animEffect transition="in" filter="barn(outVertical)">
-                                      <p:cBhvr>
-                                        <p:cTn id="7" dur="500"/>
-                                        <p:tgtEl>
-                                          <p:spTgt spid="6"/>
-                                        </p:tgtEl>
-                                      </p:cBhvr>
-                                    </p:animEffect>
-                                  </p:childTnLst>
-                                </p:cTn>
-                              </p:par>
-                            </p:childTnLst>
-                          </p:cTn>
-                        </p:par>
-                      </p:childTnLst>
-                    </p:cTn>
-                  </p:par>
-                </p:childTnLst>
-              </p:cTn>
-              <p:prevCondLst>
-                <p:cond evt="onPrev" delay="0">
-                  <p:tgtEl>
-                    <p:sldTgt/>
-                  </p:tgtEl>
-                </p:cond>
-              </p:prevCondLst>
-              <p:nextCondLst>
-                <p:cond evt="onNext" delay="0">
-                  <p:tgtEl>
-                    <p:sldTgt/>
-                  </p:tgtEl>
-                </p:cond>
-              </p:nextCondLst>
-            </p:seq>
-          </p:childTnLst>
-        </p:cTn>
-      </p:par>
-    </p:tnLst>
-  </p:timing>
-</p:sld>
-</file>
-
 <file path=ppt/slides/slide15.xml><?xml version="1.0" encoding="utf-8"?>
 <p:sld xmlns:a="http://schemas.openxmlformats.org/drawingml/2006/main" xmlns:r="http://schemas.openxmlformats.org/officeDocument/2006/relationships" xmlns:p="http://schemas.openxmlformats.org/presentationml/2006/main">
   <p:cSld>
@@ -8192,10 +8222,10 @@
       </p:grpSpPr>
       <p:pic>
         <p:nvPicPr>
-          <p:cNvPr id="5" name="Picture 4">
+          <p:cNvPr id="2" name="Picture 1">
             <a:extLst>
               <a:ext uri="{FF2B5EF4-FFF2-40B4-BE49-F238E27FC236}">
-                <a16:creationId xmlns:a16="http://schemas.microsoft.com/office/drawing/2014/main" id="{4515C153-3066-493F-A78C-3E7093EB4B67}"/>
+                <a16:creationId xmlns:a16="http://schemas.microsoft.com/office/drawing/2014/main" id="{CE89CA15-9BF4-49E6-8865-2ECBBC206FD2}"/>
               </a:ext>
             </a:extLst>
           </p:cNvPr>
@@ -8205,15 +8235,15 @@
           <p:nvPr/>
         </p:nvPicPr>
         <p:blipFill>
-          <a:blip r:embed="rId3"/>
+          <a:blip r:embed="rId2"/>
           <a:stretch>
             <a:fillRect/>
           </a:stretch>
         </p:blipFill>
         <p:spPr>
           <a:xfrm>
-            <a:off x="233819" y="129745"/>
-            <a:ext cx="11724362" cy="6598509"/>
+            <a:off x="0" y="479577"/>
+            <a:ext cx="12192000" cy="5898846"/>
           </a:xfrm>
           <a:prstGeom prst="rect">
             <a:avLst/>
@@ -8223,7 +8253,7 @@
     </p:spTree>
     <p:extLst>
       <p:ext uri="{BB962C8B-B14F-4D97-AF65-F5344CB8AC3E}">
-        <p14:creationId xmlns:p14="http://schemas.microsoft.com/office/powerpoint/2010/main" val="1667724180"/>
+        <p14:creationId xmlns:p14="http://schemas.microsoft.com/office/powerpoint/2010/main" val="1720380768"/>
       </p:ext>
     </p:extLst>
   </p:cSld>
